--- a/Tutorials/whatiswot/6-JSON_Schema_in_Practice/6-JSON_Schema_in_Practice.pptx
+++ b/Tutorials/whatiswot/6-JSON_Schema_in_Practice/6-JSON_Schema_in_Practice.pptx
@@ -243,7 +243,7 @@
           <a:p>
             <a:fld id="{13D04914-C2D3-4F6E-9724-F68824787271}" type="datetimeFigureOut">
               <a:rPr lang="en-US" smtClean="0"/>
-              <a:t>8/31/23</a:t>
+              <a:t>9/1/23</a:t>
             </a:fld>
             <a:endParaRPr lang="en-US"/>
           </a:p>
@@ -673,7 +673,7 @@
                 <a:effectLst/>
                 <a:latin typeface="Helvetica Neue"/>
               </a:rPr>
-              <a:t>There are two numeric types in JSON Schema: </a:t>
+              <a:t>There are two numeric types in JSON Schema: ”</a:t>
             </a:r>
             <a:r>
               <a:rPr lang="en-US" b="0" i="0" u="none" strike="noStrike" dirty="0">
@@ -683,7 +683,7 @@
                 <a:effectLst/>
                 <a:latin typeface="Helvetica Neue"/>
               </a:rPr>
-              <a:t>integer</a:t>
+              <a:t>integer”</a:t>
             </a:r>
             <a:r>
               <a:rPr lang="en-US" b="0" i="0" dirty="0">
@@ -693,7 +693,7 @@
                 <a:effectLst/>
                 <a:latin typeface="Helvetica Neue"/>
               </a:rPr>
-              <a:t> and </a:t>
+              <a:t> and ”</a:t>
             </a:r>
             <a:r>
               <a:rPr lang="en-US" b="0" i="0" u="none" strike="noStrike" dirty="0">
@@ -703,7 +703,7 @@
                 <a:effectLst/>
                 <a:latin typeface="Helvetica Neue"/>
               </a:rPr>
-              <a:t>number</a:t>
+              <a:t>number”</a:t>
             </a:r>
             <a:r>
               <a:rPr lang="en-US" b="0" i="0" dirty="0">
@@ -713,7 +713,7 @@
                 <a:effectLst/>
                 <a:latin typeface="Helvetica Neue"/>
               </a:rPr>
-              <a:t>. </a:t>
+              <a:t>. “</a:t>
             </a:r>
             <a:r>
               <a:rPr lang="tr-TR" b="0" i="0" dirty="0" err="1">
@@ -724,6 +724,16 @@
                 <a:latin typeface="Helvetica Neue"/>
               </a:rPr>
               <a:t>Number</a:t>
+            </a:r>
+            <a:r>
+              <a:rPr lang="en-US" altLang="en-US" sz="1200" dirty="0">
+                <a:solidFill>
+                  <a:schemeClr val="accent2"/>
+                </a:solidFill>
+                <a:latin typeface="Consolas" panose="020B0609020204030204" pitchFamily="49" charset="0"/>
+                <a:ea typeface="Inconsolata" pitchFamily="1" charset="0"/>
+              </a:rPr>
+              <a:t>"</a:t>
             </a:r>
             <a:r>
               <a:rPr lang="tr-TR" b="0" i="0" dirty="0">
@@ -839,14 +849,104 @@
               <a:defRPr/>
             </a:pPr>
             <a:r>
-              <a:rPr lang="tr-TR" b="0" i="0" dirty="0">
+              <a:rPr lang="tr-TR" b="0" i="0" dirty="0" err="1">
                 <a:solidFill>
                   <a:srgbClr val="333333"/>
                 </a:solidFill>
                 <a:effectLst/>
                 <a:latin typeface="Helvetica Neue"/>
               </a:rPr>
-              <a:t>Whereas numeric type integer rejects floating points, </a:t>
+              <a:t>Whereas</a:t>
+            </a:r>
+            <a:r>
+              <a:rPr lang="tr-TR" b="0" i="0" dirty="0">
+                <a:solidFill>
+                  <a:srgbClr val="333333"/>
+                </a:solidFill>
+                <a:effectLst/>
+                <a:latin typeface="Helvetica Neue"/>
+              </a:rPr>
+              <a:t> </a:t>
+            </a:r>
+            <a:r>
+              <a:rPr lang="en-US" altLang="en-US" sz="1200" dirty="0">
+                <a:solidFill>
+                  <a:schemeClr val="accent2"/>
+                </a:solidFill>
+                <a:latin typeface="Consolas" panose="020B0609020204030204" pitchFamily="49" charset="0"/>
+                <a:ea typeface="Inconsolata" pitchFamily="1" charset="0"/>
+              </a:rPr>
+              <a:t>"</a:t>
+            </a:r>
+            <a:r>
+              <a:rPr lang="tr-TR" b="0" i="0" dirty="0" err="1">
+                <a:solidFill>
+                  <a:srgbClr val="333333"/>
+                </a:solidFill>
+                <a:effectLst/>
+                <a:latin typeface="Helvetica Neue"/>
+              </a:rPr>
+              <a:t>numeric</a:t>
+            </a:r>
+            <a:r>
+              <a:rPr lang="en-US" altLang="en-US" sz="1200" dirty="0">
+                <a:solidFill>
+                  <a:schemeClr val="accent2"/>
+                </a:solidFill>
+                <a:latin typeface="Consolas" panose="020B0609020204030204" pitchFamily="49" charset="0"/>
+                <a:ea typeface="Inconsolata" pitchFamily="1" charset="0"/>
+              </a:rPr>
+              <a:t>"</a:t>
+            </a:r>
+            <a:r>
+              <a:rPr lang="tr-TR" b="0" i="0" dirty="0">
+                <a:solidFill>
+                  <a:srgbClr val="333333"/>
+                </a:solidFill>
+                <a:effectLst/>
+                <a:latin typeface="Helvetica Neue"/>
+              </a:rPr>
+              <a:t> type integer rejects </a:t>
+            </a:r>
+            <a:r>
+              <a:rPr lang="tr-TR" b="0" i="0" dirty="0" err="1">
+                <a:solidFill>
+                  <a:srgbClr val="333333"/>
+                </a:solidFill>
+                <a:effectLst/>
+                <a:latin typeface="Helvetica Neue"/>
+              </a:rPr>
+              <a:t>floating</a:t>
+            </a:r>
+            <a:r>
+              <a:rPr lang="tr-TR" b="0" i="0" dirty="0">
+                <a:solidFill>
+                  <a:srgbClr val="333333"/>
+                </a:solidFill>
+                <a:effectLst/>
+                <a:latin typeface="Helvetica Neue"/>
+              </a:rPr>
+              <a:t> </a:t>
+            </a:r>
+            <a:r>
+              <a:rPr lang="tr-TR" b="0" i="0" dirty="0" err="1">
+                <a:solidFill>
+                  <a:srgbClr val="333333"/>
+                </a:solidFill>
+                <a:effectLst/>
+                <a:latin typeface="Helvetica Neue"/>
+              </a:rPr>
+              <a:t>points</a:t>
+            </a:r>
+            <a:r>
+              <a:rPr lang="tr-TR" b="0" i="0" dirty="0">
+                <a:solidFill>
+                  <a:srgbClr val="333333"/>
+                </a:solidFill>
+                <a:effectLst/>
+                <a:latin typeface="Helvetica Neue"/>
+              </a:rPr>
+              <a:t>.</a:t>
             </a:r>
             <a:endParaRPr lang="en-US" dirty="0"/>
           </a:p>
@@ -1037,7 +1137,7 @@
                 <a:effectLst/>
                 <a:latin typeface="Helvetica Neue"/>
               </a:rPr>
-              <a:t>The properties which are a key-value pair on an object are defined using the properties keyword. The value of properties is an object, where each key is the name of a property, and each value is a schema used to validate that property.</a:t>
+              <a:t>The properties which are a key-value pair on an object are defined using the ”properties” keyword. The value of ”properties” keyword is an object, where each key is the name of a property, and each value is a schema used to validate that property.</a:t>
             </a:r>
           </a:p>
           <a:p>
@@ -1162,7 +1262,7 @@
                 <a:effectLst/>
                 <a:latin typeface="Helvetica Neue"/>
               </a:rPr>
-              <a:t>The </a:t>
+              <a:t>The ”</a:t>
             </a:r>
             <a:r>
               <a:rPr lang="en-US" dirty="0" err="1">
@@ -1171,6 +1271,12 @@
               <a:t>additionalProperties</a:t>
             </a:r>
             <a:r>
+              <a:rPr lang="en-US" dirty="0">
+                <a:effectLst/>
+              </a:rPr>
+              <a:t>”</a:t>
+            </a:r>
+            <a:r>
               <a:rPr lang="en-US" b="0" i="0" dirty="0">
                 <a:solidFill>
                   <a:srgbClr val="333333"/>
@@ -1218,7 +1324,7 @@
                 <a:effectLst/>
                 <a:latin typeface="Helvetica Neue"/>
               </a:rPr>
-              <a:t> is, properties whose names are not listed in the </a:t>
+              <a:t> is, properties whose names are not listed in the ”</a:t>
             </a:r>
             <a:r>
               <a:rPr lang="en-US" dirty="0">
@@ -1234,7 +1340,7 @@
                 <a:effectLst/>
                 <a:latin typeface="Helvetica Neue"/>
               </a:rPr>
-              <a:t> keyword</a:t>
+              <a:t>” keyword</a:t>
             </a:r>
             <a:r>
               <a:rPr lang="tr-TR" b="0" i="0" dirty="0">
@@ -1337,7 +1443,7 @@
                 <a:effectLst/>
                 <a:latin typeface="Helvetica Neue"/>
               </a:rPr>
-              <a:t>By default, the properties defined by the </a:t>
+              <a:t>By default, the properties defined by the ”</a:t>
             </a:r>
             <a:r>
               <a:rPr lang="en-US" dirty="0">
@@ -1353,13 +1459,13 @@
                 <a:effectLst/>
                 <a:latin typeface="Helvetica Neue"/>
               </a:rPr>
-              <a:t> keyword are not required. However, one can provide a list of required properties using the </a:t>
+              <a:t>” keyword are not required. However, one can provide a list of required properties using the ”</a:t>
             </a:r>
             <a:r>
               <a:rPr lang="en-US" dirty="0">
                 <a:effectLst/>
               </a:rPr>
-              <a:t>required</a:t>
+              <a:t>required”</a:t>
             </a:r>
             <a:r>
               <a:rPr lang="en-US" b="0" i="0" dirty="0">
@@ -1605,7 +1711,7 @@
                 <a:effectLst/>
                 <a:latin typeface="Helvetica Neue"/>
               </a:rPr>
-              <a:t>The items keyword can be used to control whether it’s valid to have additional items in a tuple. The value of the items keyword is a schema that all items must pass for the keyword to validate. </a:t>
+              <a:t>The ”items” keyword can be used to control whether it’s valid to have additional items in a tuple. The value of the ”items” keyword is a schema that all items must pass for the keyword to validate. </a:t>
             </a:r>
             <a:endParaRPr lang="en-US" dirty="0"/>
           </a:p>
@@ -1699,7 +1805,27 @@
                 <a:effectLst/>
                 <a:latin typeface="Helvetica Neue"/>
               </a:rPr>
-              <a:t>The Boolean type matches only two special values: </a:t>
+              <a:t>The “</a:t>
+            </a:r>
+            <a:r>
+              <a:rPr lang="en-US" b="0" i="0" dirty="0" err="1">
+                <a:solidFill>
+                  <a:srgbClr val="333333"/>
+                </a:solidFill>
+                <a:effectLst/>
+                <a:latin typeface="Helvetica Neue"/>
+              </a:rPr>
+              <a:t>boolean</a:t>
+            </a:r>
+            <a:r>
+              <a:rPr lang="en-US" b="0" i="0" dirty="0">
+                <a:solidFill>
+                  <a:srgbClr val="333333"/>
+                </a:solidFill>
+                <a:effectLst/>
+                <a:latin typeface="Helvetica Neue"/>
+              </a:rPr>
+              <a:t>” type matches only two special values: </a:t>
             </a:r>
             <a:r>
               <a:rPr lang="en-US" dirty="0">
@@ -1857,7 +1983,7 @@
                 <a:effectLst/>
                 <a:latin typeface="Helvetica Neue"/>
               </a:rPr>
-              <a:t>When a schema specifies the type of null, it has only one acceptable value: null.</a:t>
+              <a:t>When a schema specifies the type of null, it has only one acceptable value null.</a:t>
             </a:r>
             <a:endParaRPr lang="en-US" dirty="0"/>
           </a:p>
@@ -1943,7 +2069,10 @@
           <a:bodyPr/>
           <a:lstStyle/>
           <a:p>
-            <a:endParaRPr lang="en-US" dirty="0"/>
+            <a:r>
+              <a:rPr lang="en-US" dirty="0"/>
+              <a:t>Let’s start with basics.</a:t>
+            </a:r>
           </a:p>
         </p:txBody>
       </p:sp>
@@ -2052,7 +2181,7 @@
                 <a:effectLst/>
                 <a:latin typeface="Helvetica Neue"/>
               </a:rPr>
-              <a:t>This one is advance but let us explain it briefly. The </a:t>
+              <a:t>This one is advanced but let us explain it briefly. The ”</a:t>
             </a:r>
             <a:r>
               <a:rPr lang="en-US" b="0" i="0" dirty="0" err="1">
@@ -2062,7 +2191,7 @@
                 <a:effectLst/>
                 <a:latin typeface="Helvetica Neue"/>
               </a:rPr>
-              <a:t>contentMediaType</a:t>
+              <a:t>ContentMediaType</a:t>
             </a:r>
             <a:r>
               <a:rPr lang="en-US" b="0" i="0" dirty="0">
@@ -2072,7 +2201,27 @@
                 <a:effectLst/>
                 <a:latin typeface="Helvetica Neue"/>
               </a:rPr>
-              <a:t> keyword specifies the MIME type of the contents of a string, as described in RFC 2046. If you want to specify any type that is not JSON, it is possible to do with these content media types. The first one indicates a string containing an HTML document, encoded using the same encoding as the surrounding document:</a:t>
+              <a:t>” keyword specifies the MIME type of the contents of a string, as described in RFC 2046. If you want to specify any type that is not JSON, it is possible to do this with “</a:t>
+            </a:r>
+            <a:r>
+              <a:rPr lang="en-US" b="0" i="0" dirty="0" err="1">
+                <a:solidFill>
+                  <a:srgbClr val="333333"/>
+                </a:solidFill>
+                <a:effectLst/>
+                <a:latin typeface="Helvetica Neue"/>
+              </a:rPr>
+              <a:t>contentMediaType</a:t>
+            </a:r>
+            <a:r>
+              <a:rPr lang="en-US" b="0" i="0" dirty="0">
+                <a:solidFill>
+                  <a:srgbClr val="333333"/>
+                </a:solidFill>
+                <a:effectLst/>
+                <a:latin typeface="Helvetica Neue"/>
+              </a:rPr>
+              <a:t>” keywords . The first one indicates a string containing an HTML document, encoded using the same encoding as the surrounding document.</a:t>
             </a:r>
           </a:p>
           <a:p>
@@ -2101,7 +2250,7 @@
                 <a:effectLst/>
                 <a:latin typeface="Helvetica Neue"/>
               </a:rPr>
-              <a:t>The second one indicates that a string contains a PNG image, encoded using Base64:</a:t>
+              <a:t>The second one indicates that a string contains a PNG image, encoded using Base64.</a:t>
             </a:r>
             <a:endParaRPr lang="tr-TR" b="0" i="0" dirty="0">
               <a:solidFill>
@@ -2435,7 +2584,7 @@
                 <a:effectLst/>
                 <a:latin typeface="Helvetica Neue" panose="02000503000000020004" pitchFamily="2" charset="0"/>
               </a:rPr>
-              <a:t>There are different versions of JSON Schema that are called drafts. In order to specify which draft a JSON Schema instance is using, the $schema keyword is used. </a:t>
+              <a:t>There are different versions of JSON Schema that are called drafts. In order to specify which draft a JSON Schema instance is using, the “$schema” keyword is used. </a:t>
             </a:r>
             <a:r>
               <a:rPr lang="en-US" dirty="0" err="1"/>
@@ -2746,7 +2895,7 @@
                 <a:effectLst/>
                 <a:latin typeface="Helvetica Neue"/>
               </a:rPr>
-              <a:t>The primitive type true can be used in place of an empty object to represent a schema that matches anything.</a:t>
+              <a:t>The primitive type “true” can be used in place of an empty object to represent a schema that matches anything.</a:t>
             </a:r>
             <a:endParaRPr lang="en-US" dirty="0"/>
           </a:p>
@@ -2840,13 +2989,13 @@
                 <a:effectLst/>
                 <a:latin typeface="Helvetica Neue"/>
               </a:rPr>
-              <a:t>or </a:t>
+              <a:t>or ”</a:t>
             </a:r>
             <a:r>
               <a:rPr lang="en-US" dirty="0">
                 <a:effectLst/>
               </a:rPr>
-              <a:t>false</a:t>
+              <a:t>false”</a:t>
             </a:r>
             <a:r>
               <a:rPr lang="en-US" b="0" i="0" dirty="0">
@@ -2944,7 +3093,7 @@
           <a:p>
             <a:r>
               <a:rPr lang="en-US" dirty="0"/>
-              <a:t>Now let's look at the Schema references.</a:t>
+              <a:t>Now let's look at the Schema validation keywords.</a:t>
             </a:r>
           </a:p>
         </p:txBody>
@@ -3048,7 +3197,7 @@
             </a:pPr>
             <a:r>
               <a:rPr lang="en-US" dirty="0"/>
-              <a:t>One of the most useful and common things to do in a JSON Schema is to restrict a specific type by using a type keyword. </a:t>
+              <a:t>One of the most useful and common things to do in a JSON Schema is to restrict to a specific type by using a “type” keyword. </a:t>
             </a:r>
             <a:r>
               <a:rPr lang="en-GB" dirty="0">
@@ -3233,7 +3382,7 @@
           <a:p>
             <a:fld id="{E81D2DD5-AB34-4770-8994-7B1025545EF3}" type="datetimeFigureOut">
               <a:rPr lang="en-US" smtClean="0"/>
-              <a:t>8/31/23</a:t>
+              <a:t>9/1/23</a:t>
             </a:fld>
             <a:endParaRPr lang="en-US"/>
           </a:p>
@@ -3403,7 +3552,7 @@
           <a:p>
             <a:fld id="{E81D2DD5-AB34-4770-8994-7B1025545EF3}" type="datetimeFigureOut">
               <a:rPr lang="en-US" smtClean="0"/>
-              <a:t>8/31/23</a:t>
+              <a:t>9/1/23</a:t>
             </a:fld>
             <a:endParaRPr lang="en-US"/>
           </a:p>
@@ -3583,7 +3732,7 @@
           <a:p>
             <a:fld id="{E81D2DD5-AB34-4770-8994-7B1025545EF3}" type="datetimeFigureOut">
               <a:rPr lang="en-US" smtClean="0"/>
-              <a:t>8/31/23</a:t>
+              <a:t>9/1/23</a:t>
             </a:fld>
             <a:endParaRPr lang="en-US"/>
           </a:p>
@@ -3753,7 +3902,7 @@
           <a:p>
             <a:fld id="{E81D2DD5-AB34-4770-8994-7B1025545EF3}" type="datetimeFigureOut">
               <a:rPr lang="en-US" smtClean="0"/>
-              <a:t>8/31/23</a:t>
+              <a:t>9/1/23</a:t>
             </a:fld>
             <a:endParaRPr lang="en-US"/>
           </a:p>
@@ -3999,7 +4148,7 @@
           <a:p>
             <a:fld id="{E81D2DD5-AB34-4770-8994-7B1025545EF3}" type="datetimeFigureOut">
               <a:rPr lang="en-US" smtClean="0"/>
-              <a:t>8/31/23</a:t>
+              <a:t>9/1/23</a:t>
             </a:fld>
             <a:endParaRPr lang="en-US"/>
           </a:p>
@@ -4231,7 +4380,7 @@
           <a:p>
             <a:fld id="{E81D2DD5-AB34-4770-8994-7B1025545EF3}" type="datetimeFigureOut">
               <a:rPr lang="en-US" smtClean="0"/>
-              <a:t>8/31/23</a:t>
+              <a:t>9/1/23</a:t>
             </a:fld>
             <a:endParaRPr lang="en-US"/>
           </a:p>
@@ -4598,7 +4747,7 @@
           <a:p>
             <a:fld id="{E81D2DD5-AB34-4770-8994-7B1025545EF3}" type="datetimeFigureOut">
               <a:rPr lang="en-US" smtClean="0"/>
-              <a:t>8/31/23</a:t>
+              <a:t>9/1/23</a:t>
             </a:fld>
             <a:endParaRPr lang="en-US"/>
           </a:p>
@@ -4716,7 +4865,7 @@
           <a:p>
             <a:fld id="{E81D2DD5-AB34-4770-8994-7B1025545EF3}" type="datetimeFigureOut">
               <a:rPr lang="en-US" smtClean="0"/>
-              <a:t>8/31/23</a:t>
+              <a:t>9/1/23</a:t>
             </a:fld>
             <a:endParaRPr lang="en-US"/>
           </a:p>
@@ -4811,7 +4960,7 @@
           <a:p>
             <a:fld id="{E81D2DD5-AB34-4770-8994-7B1025545EF3}" type="datetimeFigureOut">
               <a:rPr lang="en-US" smtClean="0"/>
-              <a:t>8/31/23</a:t>
+              <a:t>9/1/23</a:t>
             </a:fld>
             <a:endParaRPr lang="en-US"/>
           </a:p>
@@ -5088,7 +5237,7 @@
           <a:p>
             <a:fld id="{E81D2DD5-AB34-4770-8994-7B1025545EF3}" type="datetimeFigureOut">
               <a:rPr lang="en-US" smtClean="0"/>
-              <a:t>8/31/23</a:t>
+              <a:t>9/1/23</a:t>
             </a:fld>
             <a:endParaRPr lang="en-US"/>
           </a:p>
@@ -5345,7 +5494,7 @@
           <a:p>
             <a:fld id="{E81D2DD5-AB34-4770-8994-7B1025545EF3}" type="datetimeFigureOut">
               <a:rPr lang="en-US" smtClean="0"/>
-              <a:t>8/31/23</a:t>
+              <a:t>9/1/23</a:t>
             </a:fld>
             <a:endParaRPr lang="en-US"/>
           </a:p>
@@ -5563,7 +5712,7 @@
           <a:p>
             <a:fld id="{E81D2DD5-AB34-4770-8994-7B1025545EF3}" type="datetimeFigureOut">
               <a:rPr lang="en-US" smtClean="0"/>
-              <a:t>8/31/23</a:t>
+              <a:t>9/1/23</a:t>
             </a:fld>
             <a:endParaRPr lang="en-US"/>
           </a:p>
@@ -12488,8 +12637,8 @@
         </p:nvSpPr>
         <p:spPr>
           <a:xfrm>
-            <a:off x="7010826" y="1227783"/>
-            <a:ext cx="3661930" cy="1963350"/>
+            <a:off x="6653365" y="1221473"/>
+            <a:ext cx="4706854" cy="1963350"/>
           </a:xfrm>
           <a:prstGeom prst="rect">
             <a:avLst/>
@@ -12533,27 +12682,110 @@
             <a:r>
               <a:rPr lang="en-US" sz="2400" dirty="0">
                 <a:solidFill>
+                  <a:schemeClr val="accent5"/>
+                </a:solidFill>
+                <a:latin typeface="Consolas" panose="020B0609020204030204" pitchFamily="49" charset="0"/>
+                <a:cs typeface="Consolas" panose="020B0609020204030204" pitchFamily="49" charset="0"/>
+              </a:rPr>
+              <a:t>  </a:t>
+            </a:r>
+            <a:r>
+              <a:rPr lang="en-US" sz="2400" dirty="0">
+                <a:solidFill>
+                  <a:schemeClr val="accent2">
+                    <a:lumMod val="75000"/>
+                  </a:schemeClr>
+                </a:solidFill>
+                <a:latin typeface="Consolas" panose="020B0609020204030204" pitchFamily="49" charset="0"/>
+                <a:cs typeface="Consolas" panose="020B0609020204030204" pitchFamily="49" charset="0"/>
+              </a:rPr>
+              <a:t>"key"</a:t>
+            </a:r>
+            <a:r>
+              <a:rPr lang="en-US" sz="2400" dirty="0">
+                <a:solidFill>
                   <a:schemeClr val="accent1"/>
                 </a:solidFill>
-                <a:latin typeface="Century Gothic" panose="020B0502020202020204" pitchFamily="34" charset="0"/>
-              </a:rPr>
-              <a:t>   </a:t>
+                <a:latin typeface="Consolas" panose="020B0609020204030204" pitchFamily="49" charset="0"/>
+                <a:cs typeface="Consolas" panose="020B0609020204030204" pitchFamily="49" charset="0"/>
+              </a:rPr>
+              <a:t>: </a:t>
             </a:r>
             <a:r>
               <a:rPr lang="en-US" sz="2400" dirty="0">
                 <a:solidFill>
                   <a:schemeClr val="accent2"/>
                 </a:solidFill>
-                <a:latin typeface="Century Gothic" panose="020B0502020202020204" pitchFamily="34" charset="0"/>
-              </a:rPr>
-              <a:t>"key"</a:t>
+                <a:latin typeface="Consolas" panose="020B0609020204030204" pitchFamily="49" charset="0"/>
+                <a:cs typeface="Consolas" panose="020B0609020204030204" pitchFamily="49" charset="0"/>
+              </a:rPr>
+              <a:t>"value"</a:t>
             </a:r>
             <a:r>
               <a:rPr lang="en-US" sz="2400" dirty="0">
                 <a:solidFill>
                   <a:schemeClr val="accent1"/>
                 </a:solidFill>
-                <a:latin typeface="Century Gothic" panose="020B0502020202020204" pitchFamily="34" charset="0"/>
+                <a:latin typeface="Consolas" panose="020B0609020204030204" pitchFamily="49" charset="0"/>
+                <a:cs typeface="Consolas" panose="020B0609020204030204" pitchFamily="49" charset="0"/>
+              </a:rPr>
+              <a:t>,</a:t>
+            </a:r>
+          </a:p>
+          <a:p>
+            <a:r>
+              <a:rPr lang="en-US" sz="2400" dirty="0">
+                <a:solidFill>
+                  <a:schemeClr val="accent1"/>
+                </a:solidFill>
+                <a:latin typeface="Consolas" panose="020B0609020204030204" pitchFamily="49" charset="0"/>
+                <a:cs typeface="Consolas" panose="020B0609020204030204" pitchFamily="49" charset="0"/>
+              </a:rPr>
+              <a:t>  </a:t>
+            </a:r>
+            <a:r>
+              <a:rPr lang="en-US" sz="2400" dirty="0">
+                <a:solidFill>
+                  <a:schemeClr val="accent2">
+                    <a:lumMod val="75000"/>
+                  </a:schemeClr>
+                </a:solidFill>
+                <a:latin typeface="Consolas" panose="020B0609020204030204" pitchFamily="49" charset="0"/>
+                <a:cs typeface="Consolas" panose="020B0609020204030204" pitchFamily="49" charset="0"/>
+              </a:rPr>
+              <a:t>"</a:t>
+            </a:r>
+            <a:r>
+              <a:rPr lang="en-US" sz="2400" dirty="0" err="1">
+                <a:solidFill>
+                  <a:schemeClr val="accent2">
+                    <a:lumMod val="75000"/>
+                  </a:schemeClr>
+                </a:solidFill>
+                <a:latin typeface="Consolas" panose="020B0609020204030204" pitchFamily="49" charset="0"/>
+                <a:cs typeface="Consolas" panose="020B0609020204030204" pitchFamily="49" charset="0"/>
+              </a:rPr>
+              <a:t>another_key</a:t>
+            </a:r>
+            <a:r>
+              <a:rPr lang="en-US" sz="2400" dirty="0">
+                <a:solidFill>
+                  <a:schemeClr val="accent2">
+                    <a:lumMod val="75000"/>
+                  </a:schemeClr>
+                </a:solidFill>
+                <a:latin typeface="Consolas" panose="020B0609020204030204" pitchFamily="49" charset="0"/>
+                <a:cs typeface="Consolas" panose="020B0609020204030204" pitchFamily="49" charset="0"/>
+              </a:rPr>
+              <a:t>"</a:t>
+            </a:r>
+            <a:r>
+              <a:rPr lang="en-US" sz="2400" dirty="0">
+                <a:solidFill>
+                  <a:schemeClr val="accent1"/>
+                </a:solidFill>
+                <a:latin typeface="Consolas" panose="020B0609020204030204" pitchFamily="49" charset="0"/>
+                <a:cs typeface="Consolas" panose="020B0609020204030204" pitchFamily="49" charset="0"/>
               </a:rPr>
               <a:t>: </a:t>
             </a:r>
@@ -12562,72 +12794,8 @@
                 <a:solidFill>
                   <a:schemeClr val="accent2"/>
                 </a:solidFill>
-                <a:latin typeface="Century Gothic" panose="020B0502020202020204" pitchFamily="34" charset="0"/>
-              </a:rPr>
-              <a:t>"value"</a:t>
-            </a:r>
-            <a:r>
-              <a:rPr lang="en-US" sz="2400" dirty="0">
-                <a:solidFill>
-                  <a:schemeClr val="accent1"/>
-                </a:solidFill>
-                <a:latin typeface="Century Gothic" panose="020B0502020202020204" pitchFamily="34" charset="0"/>
-              </a:rPr>
-              <a:t>,</a:t>
-            </a:r>
-          </a:p>
-          <a:p>
-            <a:r>
-              <a:rPr lang="en-US" sz="2400" dirty="0">
-                <a:solidFill>
-                  <a:schemeClr val="accent1"/>
-                </a:solidFill>
-                <a:latin typeface="Century Gothic" panose="020B0502020202020204" pitchFamily="34" charset="0"/>
-              </a:rPr>
-              <a:t>   </a:t>
-            </a:r>
-            <a:r>
-              <a:rPr lang="en-US" sz="2400" dirty="0">
-                <a:solidFill>
-                  <a:schemeClr val="accent2"/>
-                </a:solidFill>
-                <a:latin typeface="Century Gothic" panose="020B0502020202020204" pitchFamily="34" charset="0"/>
-              </a:rPr>
-              <a:t>"</a:t>
-            </a:r>
-            <a:r>
-              <a:rPr lang="en-US" sz="2400" dirty="0" err="1">
-                <a:solidFill>
-                  <a:schemeClr val="accent2"/>
-                </a:solidFill>
-                <a:latin typeface="Century Gothic" panose="020B0502020202020204" pitchFamily="34" charset="0"/>
-              </a:rPr>
-              <a:t>another_key</a:t>
-            </a:r>
-            <a:r>
-              <a:rPr lang="en-US" sz="2400" dirty="0">
-                <a:solidFill>
-                  <a:schemeClr val="accent2"/>
-                </a:solidFill>
-                <a:latin typeface="Century Gothic" panose="020B0502020202020204" pitchFamily="34" charset="0"/>
-              </a:rPr>
-              <a:t>"</a:t>
-            </a:r>
-            <a:r>
-              <a:rPr lang="en-US" sz="2400" dirty="0">
-                <a:solidFill>
-                  <a:schemeClr val="accent1"/>
-                </a:solidFill>
-                <a:latin typeface="Century Gothic" panose="020B0502020202020204" pitchFamily="34" charset="0"/>
-              </a:rPr>
-              <a:t>: </a:t>
-            </a:r>
-            <a:r>
-              <a:rPr lang="en-US" sz="2400" dirty="0">
-                <a:solidFill>
-                  <a:schemeClr val="accent2"/>
-                </a:solidFill>
-                <a:latin typeface="Century Gothic" panose="020B0502020202020204" pitchFamily="34" charset="0"/>
+                <a:latin typeface="Consolas" panose="020B0609020204030204" pitchFamily="49" charset="0"/>
+                <a:cs typeface="Consolas" panose="020B0609020204030204" pitchFamily="49" charset="0"/>
               </a:rPr>
               <a:t>"value"</a:t>
             </a:r>
@@ -12745,8 +12913,8 @@
         </p:nvSpPr>
         <p:spPr>
           <a:xfrm>
-            <a:off x="7605755" y="4548528"/>
-            <a:ext cx="2472075" cy="896368"/>
+            <a:off x="7280933" y="4548528"/>
+            <a:ext cx="3121718" cy="896368"/>
           </a:xfrm>
           <a:prstGeom prst="rect">
             <a:avLst/>
@@ -12776,12 +12944,14 @@
             </a:lvl1pPr>
           </a:lstStyle>
           <a:p>
+            <a:pPr algn="ctr"/>
             <a:r>
               <a:rPr lang="en-US" sz="2400" dirty="0">
                 <a:solidFill>
                   <a:schemeClr val="accent2"/>
                 </a:solidFill>
-                <a:latin typeface="Century Gothic" panose="020B0502020202020204" pitchFamily="34" charset="0"/>
+                <a:latin typeface="Consolas" panose="020B0609020204030204" pitchFamily="49" charset="0"/>
+                <a:cs typeface="Consolas" panose="020B0609020204030204" pitchFamily="49" charset="0"/>
               </a:rPr>
               <a:t>"Not an object"</a:t>
             </a:r>
@@ -12789,7 +12959,8 @@
               <a:solidFill>
                 <a:schemeClr val="accent2"/>
               </a:solidFill>
-              <a:latin typeface="Century Gothic" panose="020B0502020202020204" pitchFamily="34" charset="0"/>
+              <a:latin typeface="Consolas" panose="020B0609020204030204" pitchFamily="49" charset="0"/>
+              <a:cs typeface="Consolas" panose="020B0609020204030204" pitchFamily="49" charset="0"/>
             </a:endParaRPr>
           </a:p>
         </p:txBody>
@@ -13765,7 +13936,9 @@
             <a:r>
               <a:rPr lang="en-US" sz="2400" dirty="0">
                 <a:solidFill>
-                  <a:schemeClr val="accent2"/>
+                  <a:schemeClr val="accent2">
+                    <a:lumMod val="75000"/>
+                  </a:schemeClr>
                 </a:solidFill>
                 <a:latin typeface="Consolas" panose="020B0609020204030204" pitchFamily="49" charset="0"/>
               </a:rPr>
@@ -13818,7 +13991,9 @@
             <a:r>
               <a:rPr lang="en-US" sz="2400" dirty="0">
                 <a:solidFill>
-                  <a:schemeClr val="accent2"/>
+                  <a:schemeClr val="accent2">
+                    <a:lumMod val="75000"/>
+                  </a:schemeClr>
                 </a:solidFill>
                 <a:latin typeface="Consolas" panose="020B0609020204030204" pitchFamily="49" charset="0"/>
               </a:rPr>
@@ -13827,7 +14002,9 @@
             <a:r>
               <a:rPr lang="tr-TR" sz="2400" dirty="0">
                 <a:solidFill>
-                  <a:schemeClr val="accent2"/>
+                  <a:schemeClr val="accent2">
+                    <a:lumMod val="75000"/>
+                  </a:schemeClr>
                 </a:solidFill>
                 <a:latin typeface="Consolas" panose="020B0609020204030204" pitchFamily="49" charset="0"/>
               </a:rPr>
@@ -13836,7 +14013,9 @@
             <a:r>
               <a:rPr lang="en-US" sz="2400" dirty="0" err="1">
                 <a:solidFill>
-                  <a:schemeClr val="accent2"/>
+                  <a:schemeClr val="accent2">
+                    <a:lumMod val="75000"/>
+                  </a:schemeClr>
                 </a:solidFill>
                 <a:latin typeface="Consolas" panose="020B0609020204030204" pitchFamily="49" charset="0"/>
               </a:rPr>
@@ -13845,7 +14024,9 @@
             <a:r>
               <a:rPr lang="en-US" sz="2400" dirty="0">
                 <a:solidFill>
-                  <a:schemeClr val="accent2"/>
+                  <a:schemeClr val="accent2">
+                    <a:lumMod val="75000"/>
+                  </a:schemeClr>
                 </a:solidFill>
                 <a:latin typeface="Consolas" panose="020B0609020204030204" pitchFamily="49" charset="0"/>
               </a:rPr>
@@ -14150,32 +14331,12 @@
             <a:r>
               <a:rPr lang="en-US" altLang="en-US" sz="2000" dirty="0">
                 <a:solidFill>
-                  <a:schemeClr val="accent6"/>
+                  <a:schemeClr val="accent5"/>
                 </a:solidFill>
                 <a:latin typeface="Consolas" panose="020B0609020204030204" pitchFamily="49" charset="0"/>
                 <a:ea typeface="Inconsolata" pitchFamily="1" charset="0"/>
               </a:rPr>
-              <a:t>"</a:t>
-            </a:r>
-            <a:r>
-              <a:rPr lang="en-US" altLang="en-US" sz="2000" dirty="0">
-                <a:solidFill>
-                  <a:schemeClr val="accent5"/>
-                </a:solidFill>
-                <a:latin typeface="Consolas" panose="020B0609020204030204" pitchFamily="49" charset="0"/>
-                <a:ea typeface="Inconsolata" pitchFamily="1" charset="0"/>
-              </a:rPr>
-              <a:t>type</a:t>
-            </a:r>
-            <a:r>
-              <a:rPr lang="en-US" altLang="en-US" sz="2000" dirty="0">
-                <a:solidFill>
-                  <a:schemeClr val="accent6"/>
-                </a:solidFill>
-                <a:latin typeface="Consolas" panose="020B0609020204030204" pitchFamily="49" charset="0"/>
-                <a:ea typeface="Inconsolata" pitchFamily="1" charset="0"/>
-              </a:rPr>
-              <a:t>"</a:t>
+              <a:t>"type"</a:t>
             </a:r>
             <a:r>
               <a:rPr lang="en-US" altLang="en-US" sz="2000" dirty="0">
@@ -14256,7 +14417,7 @@
             <a:r>
               <a:rPr lang="en-US" altLang="en-US" sz="2000" dirty="0">
                 <a:solidFill>
-                  <a:schemeClr val="accent2"/>
+                  <a:schemeClr val="accent5"/>
                 </a:solidFill>
                 <a:latin typeface="Consolas" panose="020B0609020204030204" pitchFamily="49" charset="0"/>
                 <a:ea typeface="Inconsolata" pitchFamily="1" charset="0"/>
@@ -14322,7 +14483,9 @@
             <a:r>
               <a:rPr lang="en-US" altLang="en-US" sz="2000" dirty="0">
                 <a:solidFill>
-                  <a:schemeClr val="accent2"/>
+                  <a:schemeClr val="accent2">
+                    <a:lumMod val="75000"/>
+                  </a:schemeClr>
                 </a:solidFill>
                 <a:latin typeface="Consolas" panose="020B0609020204030204" pitchFamily="49" charset="0"/>
                 <a:ea typeface="Inconsolata" pitchFamily="1" charset="0"/>
@@ -14447,7 +14610,9 @@
             <a:r>
               <a:rPr lang="en-US" altLang="en-US" sz="2000" dirty="0">
                 <a:solidFill>
-                  <a:schemeClr val="accent2"/>
+                  <a:schemeClr val="accent2">
+                    <a:lumMod val="75000"/>
+                  </a:schemeClr>
                 </a:solidFill>
                 <a:latin typeface="Consolas" panose="020B0609020204030204" pitchFamily="49" charset="0"/>
                 <a:ea typeface="Inconsolata" pitchFamily="1" charset="0"/>
@@ -14457,7 +14622,9 @@
             <a:r>
               <a:rPr lang="tr-TR" altLang="en-US" sz="2000" dirty="0">
                 <a:solidFill>
-                  <a:schemeClr val="accent2"/>
+                  <a:schemeClr val="accent2">
+                    <a:lumMod val="75000"/>
+                  </a:schemeClr>
                 </a:solidFill>
                 <a:latin typeface="Consolas" panose="020B0609020204030204" pitchFamily="49" charset="0"/>
                 <a:ea typeface="Inconsolata" pitchFamily="1" charset="0"/>
@@ -14467,7 +14634,9 @@
             <a:r>
               <a:rPr lang="en-US" altLang="en-US" sz="2000" dirty="0" err="1">
                 <a:solidFill>
-                  <a:schemeClr val="accent2"/>
+                  <a:schemeClr val="accent2">
+                    <a:lumMod val="75000"/>
+                  </a:schemeClr>
                 </a:solidFill>
                 <a:latin typeface="Consolas" panose="020B0609020204030204" pitchFamily="49" charset="0"/>
                 <a:ea typeface="Inconsolata" pitchFamily="1" charset="0"/>
@@ -14477,7 +14646,9 @@
             <a:r>
               <a:rPr lang="en-US" altLang="en-US" sz="2000" dirty="0">
                 <a:solidFill>
-                  <a:schemeClr val="accent2"/>
+                  <a:schemeClr val="accent2">
+                    <a:lumMod val="75000"/>
+                  </a:schemeClr>
                 </a:solidFill>
                 <a:latin typeface="Consolas" panose="020B0609020204030204" pitchFamily="49" charset="0"/>
                 <a:ea typeface="Inconsolata" pitchFamily="1" charset="0"/>
@@ -14734,7 +14905,9 @@
             <a:r>
               <a:rPr lang="en-US" sz="2400" dirty="0">
                 <a:solidFill>
-                  <a:schemeClr val="accent2"/>
+                  <a:schemeClr val="accent2">
+                    <a:lumMod val="75000"/>
+                  </a:schemeClr>
                 </a:solidFill>
                 <a:latin typeface="Consolas" panose="020B0609020204030204" pitchFamily="49" charset="0"/>
               </a:rPr>
@@ -14787,7 +14960,9 @@
             <a:r>
               <a:rPr lang="en-US" sz="2400" dirty="0">
                 <a:solidFill>
-                  <a:schemeClr val="accent2"/>
+                  <a:schemeClr val="accent2">
+                    <a:lumMod val="75000"/>
+                  </a:schemeClr>
                 </a:solidFill>
                 <a:latin typeface="Consolas" panose="020B0609020204030204" pitchFamily="49" charset="0"/>
               </a:rPr>
@@ -14796,7 +14971,9 @@
             <a:r>
               <a:rPr lang="tr-TR" sz="2400" dirty="0">
                 <a:solidFill>
-                  <a:schemeClr val="accent2"/>
+                  <a:schemeClr val="accent2">
+                    <a:lumMod val="75000"/>
+                  </a:schemeClr>
                 </a:solidFill>
                 <a:latin typeface="Consolas" panose="020B0609020204030204" pitchFamily="49" charset="0"/>
               </a:rPr>
@@ -14805,7 +14982,9 @@
             <a:r>
               <a:rPr lang="en-US" sz="2400" dirty="0" err="1">
                 <a:solidFill>
-                  <a:schemeClr val="accent2"/>
+                  <a:schemeClr val="accent2">
+                    <a:lumMod val="75000"/>
+                  </a:schemeClr>
                 </a:solidFill>
                 <a:latin typeface="Consolas" panose="020B0609020204030204" pitchFamily="49" charset="0"/>
               </a:rPr>
@@ -14814,7 +14993,9 @@
             <a:r>
               <a:rPr lang="en-US" sz="2400" dirty="0">
                 <a:solidFill>
-                  <a:schemeClr val="accent2"/>
+                  <a:schemeClr val="accent2">
+                    <a:lumMod val="75000"/>
+                  </a:schemeClr>
                 </a:solidFill>
                 <a:latin typeface="Consolas" panose="020B0609020204030204" pitchFamily="49" charset="0"/>
               </a:rPr>
@@ -15900,7 +16081,9 @@
             <a:r>
               <a:rPr lang="en-US" sz="2400" dirty="0">
                 <a:solidFill>
-                  <a:schemeClr val="accent2"/>
+                  <a:schemeClr val="accent2">
+                    <a:lumMod val="75000"/>
+                  </a:schemeClr>
                 </a:solidFill>
                 <a:latin typeface="Consolas" panose="020B0609020204030204" pitchFamily="49" charset="0"/>
               </a:rPr>
@@ -15953,7 +16136,9 @@
             <a:r>
               <a:rPr lang="en-US" sz="2400" dirty="0">
                 <a:solidFill>
-                  <a:schemeClr val="accent2"/>
+                  <a:schemeClr val="accent2">
+                    <a:lumMod val="75000"/>
+                  </a:schemeClr>
                 </a:solidFill>
                 <a:latin typeface="Consolas" panose="020B0609020204030204" pitchFamily="49" charset="0"/>
               </a:rPr>
@@ -15962,7 +16147,9 @@
             <a:r>
               <a:rPr lang="tr-TR" sz="2400" dirty="0">
                 <a:solidFill>
-                  <a:schemeClr val="accent2"/>
+                  <a:schemeClr val="accent2">
+                    <a:lumMod val="75000"/>
+                  </a:schemeClr>
                 </a:solidFill>
                 <a:latin typeface="Consolas" panose="020B0609020204030204" pitchFamily="49" charset="0"/>
               </a:rPr>
@@ -15971,7 +16158,9 @@
             <a:r>
               <a:rPr lang="en-US" sz="2400" dirty="0" err="1">
                 <a:solidFill>
-                  <a:schemeClr val="accent2"/>
+                  <a:schemeClr val="accent2">
+                    <a:lumMod val="75000"/>
+                  </a:schemeClr>
                 </a:solidFill>
                 <a:latin typeface="Consolas" panose="020B0609020204030204" pitchFamily="49" charset="0"/>
               </a:rPr>
@@ -15980,7 +16169,9 @@
             <a:r>
               <a:rPr lang="en-US" sz="2400" dirty="0">
                 <a:solidFill>
-                  <a:schemeClr val="accent2"/>
+                  <a:schemeClr val="accent2">
+                    <a:lumMod val="75000"/>
+                  </a:schemeClr>
                 </a:solidFill>
                 <a:latin typeface="Consolas" panose="020B0609020204030204" pitchFamily="49" charset="0"/>
               </a:rPr>
@@ -16285,7 +16476,7 @@
             <a:r>
               <a:rPr lang="en-US" altLang="en-US" sz="2400" dirty="0">
                 <a:solidFill>
-                  <a:schemeClr val="accent2"/>
+                  <a:schemeClr val="accent5"/>
                 </a:solidFill>
                 <a:latin typeface="Consolas" panose="020B0609020204030204" pitchFamily="49" charset="0"/>
                 <a:ea typeface="Inconsolata" pitchFamily="1" charset="0"/>
@@ -16295,7 +16486,7 @@
             <a:r>
               <a:rPr lang="en-US" altLang="en-US" sz="2400" dirty="0" err="1">
                 <a:solidFill>
-                  <a:schemeClr val="accent2"/>
+                  <a:schemeClr val="accent5"/>
                 </a:solidFill>
                 <a:latin typeface="Consolas" panose="020B0609020204030204" pitchFamily="49" charset="0"/>
                 <a:ea typeface="Inconsolata" pitchFamily="1" charset="0"/>
@@ -16305,7 +16496,7 @@
             <a:r>
               <a:rPr lang="en-US" altLang="en-US" sz="2400" dirty="0">
                 <a:solidFill>
-                  <a:schemeClr val="accent2"/>
+                  <a:schemeClr val="accent5"/>
                 </a:solidFill>
                 <a:latin typeface="Consolas" panose="020B0609020204030204" pitchFamily="49" charset="0"/>
                 <a:ea typeface="Inconsolata" pitchFamily="1" charset="0"/>
@@ -16508,7 +16699,9 @@
             <a:r>
               <a:rPr lang="en-US" sz="2400" dirty="0">
                 <a:solidFill>
-                  <a:schemeClr val="accent2"/>
+                  <a:schemeClr val="accent2">
+                    <a:lumMod val="75000"/>
+                  </a:schemeClr>
                 </a:solidFill>
                 <a:latin typeface="Consolas" panose="020B0609020204030204" pitchFamily="49" charset="0"/>
               </a:rPr>
@@ -16561,11 +16754,64 @@
             <a:r>
               <a:rPr lang="en-US" sz="2400" dirty="0">
                 <a:solidFill>
+                  <a:schemeClr val="accent2">
+                    <a:lumMod val="75000"/>
+                  </a:schemeClr>
+                </a:solidFill>
+                <a:latin typeface="Consolas" panose="020B0609020204030204" pitchFamily="49" charset="0"/>
+              </a:rPr>
+              <a:t>"street</a:t>
+            </a:r>
+            <a:r>
+              <a:rPr lang="tr-TR" sz="2400" dirty="0">
+                <a:solidFill>
+                  <a:schemeClr val="accent2">
+                    <a:lumMod val="75000"/>
+                  </a:schemeClr>
+                </a:solidFill>
+                <a:latin typeface="Consolas" panose="020B0609020204030204" pitchFamily="49" charset="0"/>
+              </a:rPr>
+              <a:t>N</a:t>
+            </a:r>
+            <a:r>
+              <a:rPr lang="en-US" sz="2400" dirty="0" err="1">
+                <a:solidFill>
+                  <a:schemeClr val="accent2">
+                    <a:lumMod val="75000"/>
+                  </a:schemeClr>
+                </a:solidFill>
+                <a:latin typeface="Consolas" panose="020B0609020204030204" pitchFamily="49" charset="0"/>
+              </a:rPr>
+              <a:t>ame</a:t>
+            </a:r>
+            <a:r>
+              <a:rPr lang="en-US" sz="2400" dirty="0">
+                <a:solidFill>
+                  <a:schemeClr val="accent2">
+                    <a:lumMod val="75000"/>
+                  </a:schemeClr>
+                </a:solidFill>
+                <a:latin typeface="Consolas" panose="020B0609020204030204" pitchFamily="49" charset="0"/>
+              </a:rPr>
+              <a:t>"</a:t>
+            </a:r>
+            <a:r>
+              <a:rPr lang="en-US" sz="2400" dirty="0">
+                <a:solidFill>
+                  <a:schemeClr val="accent1"/>
+                </a:solidFill>
+                <a:latin typeface="Consolas" panose="020B0609020204030204" pitchFamily="49" charset="0"/>
+              </a:rPr>
+              <a:t>:</a:t>
+            </a:r>
+            <a:r>
+              <a:rPr lang="en-US" sz="2400" dirty="0">
+                <a:solidFill>
                   <a:schemeClr val="accent2"/>
                 </a:solidFill>
                 <a:latin typeface="Consolas" panose="020B0609020204030204" pitchFamily="49" charset="0"/>
               </a:rPr>
-              <a:t>"street</a:t>
+              <a:t>"</a:t>
             </a:r>
             <a:r>
               <a:rPr lang="tr-TR" sz="2400" dirty="0">
@@ -16574,104 +16820,65 @@
                 </a:solidFill>
                 <a:latin typeface="Consolas" panose="020B0609020204030204" pitchFamily="49" charset="0"/>
               </a:rPr>
-              <a:t>N</a:t>
-            </a:r>
-            <a:r>
-              <a:rPr lang="en-US" sz="2400" dirty="0" err="1">
+              <a:t>Boltzmann</a:t>
+            </a:r>
+            <a:r>
+              <a:rPr lang="en-US" sz="2400" dirty="0">
                 <a:solidFill>
                   <a:schemeClr val="accent2"/>
                 </a:solidFill>
                 <a:latin typeface="Consolas" panose="020B0609020204030204" pitchFamily="49" charset="0"/>
               </a:rPr>
-              <a:t>ame</a:t>
+              <a:t>"</a:t>
+            </a:r>
+            <a:r>
+              <a:rPr lang="tr-TR" sz="2400" dirty="0">
+                <a:solidFill>
+                  <a:schemeClr val="accent1"/>
+                </a:solidFill>
+                <a:latin typeface="Consolas" panose="020B0609020204030204" pitchFamily="49" charset="0"/>
+              </a:rPr>
+              <a:t>,</a:t>
+            </a:r>
+          </a:p>
+          <a:p>
+            <a:r>
+              <a:rPr lang="tr-TR" sz="2400" dirty="0">
+                <a:solidFill>
+                  <a:schemeClr val="accent2"/>
+                </a:solidFill>
+                <a:latin typeface="Consolas" panose="020B0609020204030204" pitchFamily="49" charset="0"/>
+              </a:rPr>
+              <a:t>  </a:t>
             </a:r>
             <a:r>
               <a:rPr lang="en-US" sz="2400" dirty="0">
                 <a:solidFill>
-                  <a:schemeClr val="accent2"/>
+                  <a:schemeClr val="accent2">
+                    <a:lumMod val="75000"/>
+                  </a:schemeClr>
                 </a:solidFill>
                 <a:latin typeface="Consolas" panose="020B0609020204030204" pitchFamily="49" charset="0"/>
               </a:rPr>
               <a:t>"</a:t>
             </a:r>
             <a:r>
+              <a:rPr lang="tr-TR" sz="2400" dirty="0">
+                <a:solidFill>
+                  <a:schemeClr val="accent2">
+                    <a:lumMod val="75000"/>
+                  </a:schemeClr>
+                </a:solidFill>
+                <a:latin typeface="Consolas" panose="020B0609020204030204" pitchFamily="49" charset="0"/>
+              </a:rPr>
+              <a:t>direction</a:t>
+            </a:r>
+            <a:r>
               <a:rPr lang="en-US" sz="2400" dirty="0">
                 <a:solidFill>
-                  <a:schemeClr val="accent1"/>
-                </a:solidFill>
-                <a:latin typeface="Consolas" panose="020B0609020204030204" pitchFamily="49" charset="0"/>
-              </a:rPr>
-              <a:t>:</a:t>
-            </a:r>
-            <a:r>
-              <a:rPr lang="en-US" sz="2400" dirty="0">
-                <a:solidFill>
-                  <a:schemeClr val="accent2"/>
-                </a:solidFill>
-                <a:latin typeface="Consolas" panose="020B0609020204030204" pitchFamily="49" charset="0"/>
-              </a:rPr>
-              <a:t>"</a:t>
-            </a:r>
-            <a:r>
-              <a:rPr lang="tr-TR" sz="2400" dirty="0">
-                <a:solidFill>
-                  <a:schemeClr val="accent2"/>
-                </a:solidFill>
-                <a:latin typeface="Consolas" panose="020B0609020204030204" pitchFamily="49" charset="0"/>
-              </a:rPr>
-              <a:t>Boltzmann</a:t>
-            </a:r>
-            <a:r>
-              <a:rPr lang="en-US" sz="2400" dirty="0">
-                <a:solidFill>
-                  <a:schemeClr val="accent2"/>
-                </a:solidFill>
-                <a:latin typeface="Consolas" panose="020B0609020204030204" pitchFamily="49" charset="0"/>
-              </a:rPr>
-              <a:t>"</a:t>
-            </a:r>
-            <a:r>
-              <a:rPr lang="tr-TR" sz="2400" dirty="0">
-                <a:solidFill>
-                  <a:schemeClr val="accent1"/>
-                </a:solidFill>
-                <a:latin typeface="Consolas" panose="020B0609020204030204" pitchFamily="49" charset="0"/>
-              </a:rPr>
-              <a:t>,</a:t>
-            </a:r>
-          </a:p>
-          <a:p>
-            <a:r>
-              <a:rPr lang="tr-TR" sz="2400" dirty="0">
-                <a:solidFill>
-                  <a:schemeClr val="accent2"/>
-                </a:solidFill>
-                <a:latin typeface="Consolas" panose="020B0609020204030204" pitchFamily="49" charset="0"/>
-              </a:rPr>
-              <a:t>  </a:t>
-            </a:r>
-            <a:r>
-              <a:rPr lang="en-US" sz="2400" dirty="0">
-                <a:solidFill>
-                  <a:schemeClr val="accent2"/>
-                </a:solidFill>
-                <a:latin typeface="Consolas" panose="020B0609020204030204" pitchFamily="49" charset="0"/>
-              </a:rPr>
-              <a:t>"</a:t>
-            </a:r>
-            <a:r>
-              <a:rPr lang="tr-TR" sz="2400" dirty="0">
-                <a:solidFill>
-                  <a:schemeClr val="accent2"/>
-                </a:solidFill>
-                <a:latin typeface="Consolas" panose="020B0609020204030204" pitchFamily="49" charset="0"/>
-              </a:rPr>
-              <a:t>direction</a:t>
-            </a:r>
-            <a:r>
-              <a:rPr lang="en-US" sz="2400" dirty="0">
-                <a:solidFill>
-                  <a:schemeClr val="accent2"/>
+                  <a:schemeClr val="accent2">
+                    <a:lumMod val="75000"/>
+                  </a:schemeClr>
                 </a:solidFill>
                 <a:latin typeface="Consolas" panose="020B0609020204030204" pitchFamily="49" charset="0"/>
               </a:rPr>
@@ -17738,11 +17945,31 @@
             <a:r>
               <a:rPr lang="en-US" sz="2000" dirty="0">
                 <a:solidFill>
+                  <a:schemeClr val="accent2">
+                    <a:lumMod val="75000"/>
+                  </a:schemeClr>
+                </a:solidFill>
+                <a:latin typeface="Consolas" panose="020B0609020204030204" pitchFamily="49" charset="0"/>
+              </a:rPr>
+              <a:t>"name"</a:t>
+            </a:r>
+            <a:r>
+              <a:rPr lang="en-US" sz="2000" dirty="0">
+                <a:solidFill>
+                  <a:schemeClr val="accent1"/>
+                </a:solidFill>
+                <a:latin typeface="Consolas" panose="020B0609020204030204" pitchFamily="49" charset="0"/>
+              </a:rPr>
+              <a:t>: </a:t>
+            </a:r>
+            <a:r>
+              <a:rPr lang="en-US" sz="2000" dirty="0">
+                <a:solidFill>
                   <a:schemeClr val="accent2"/>
                 </a:solidFill>
                 <a:latin typeface="Consolas" panose="020B0609020204030204" pitchFamily="49" charset="0"/>
               </a:rPr>
-              <a:t>"name"</a:t>
+              <a:t>"William Shakespeare"</a:t>
             </a:r>
             <a:r>
               <a:rPr lang="en-US" sz="2000" dirty="0">
@@ -17751,41 +17978,25 @@
                 </a:solidFill>
                 <a:latin typeface="Consolas" panose="020B0609020204030204" pitchFamily="49" charset="0"/>
               </a:rPr>
-              <a:t>: </a:t>
-            </a:r>
+              <a:t>,</a:t>
+            </a:r>
+          </a:p>
+          <a:p>
             <a:r>
               <a:rPr lang="en-US" sz="2000" dirty="0">
                 <a:solidFill>
-                  <a:schemeClr val="accent2"/>
-                </a:solidFill>
-                <a:latin typeface="Consolas" panose="020B0609020204030204" pitchFamily="49" charset="0"/>
-              </a:rPr>
-              <a:t>"William Shakespeare"</a:t>
+                  <a:schemeClr val="accent1"/>
+                </a:solidFill>
+                <a:latin typeface="Consolas" panose="020B0609020204030204" pitchFamily="49" charset="0"/>
+              </a:rPr>
+              <a:t>  </a:t>
             </a:r>
             <a:r>
               <a:rPr lang="en-US" sz="2000" dirty="0">
                 <a:solidFill>
-                  <a:schemeClr val="accent1"/>
-                </a:solidFill>
-                <a:latin typeface="Consolas" panose="020B0609020204030204" pitchFamily="49" charset="0"/>
-              </a:rPr>
-              <a:t>,</a:t>
-            </a:r>
-          </a:p>
-          <a:p>
-            <a:r>
-              <a:rPr lang="en-US" sz="2000" dirty="0">
-                <a:solidFill>
-                  <a:schemeClr val="accent1"/>
-                </a:solidFill>
-                <a:latin typeface="Consolas" panose="020B0609020204030204" pitchFamily="49" charset="0"/>
-              </a:rPr>
-              <a:t>  </a:t>
-            </a:r>
-            <a:r>
-              <a:rPr lang="en-US" sz="2000" dirty="0">
-                <a:solidFill>
-                  <a:schemeClr val="accent2"/>
+                  <a:schemeClr val="accent2">
+                    <a:lumMod val="75000"/>
+                  </a:schemeClr>
                 </a:solidFill>
                 <a:latin typeface="Consolas" panose="020B0609020204030204" pitchFamily="49" charset="0"/>
               </a:rPr>
@@ -18210,7 +18421,7 @@
             <a:r>
               <a:rPr lang="en-US" altLang="en-US" sz="2000" dirty="0">
                 <a:solidFill>
-                  <a:schemeClr val="accent2"/>
+                  <a:schemeClr val="accent5"/>
                 </a:solidFill>
                 <a:latin typeface="Consolas" panose="020B0609020204030204" pitchFamily="49" charset="0"/>
                 <a:ea typeface="Inconsolata" pitchFamily="1" charset="0"/>
@@ -18220,7 +18431,7 @@
             <a:r>
               <a:rPr lang="tr-TR" altLang="en-US" sz="2000" dirty="0">
                 <a:solidFill>
-                  <a:schemeClr val="accent2"/>
+                  <a:schemeClr val="accent5"/>
                 </a:solidFill>
                 <a:latin typeface="Consolas" panose="020B0609020204030204" pitchFamily="49" charset="0"/>
                 <a:ea typeface="Inconsolata" pitchFamily="1" charset="0"/>
@@ -18286,7 +18497,9 @@
             <a:r>
               <a:rPr lang="en-US" altLang="en-US" sz="2000" dirty="0">
                 <a:solidFill>
-                  <a:schemeClr val="accent2"/>
+                  <a:schemeClr val="accent2">
+                    <a:lumMod val="75000"/>
+                  </a:schemeClr>
                 </a:solidFill>
                 <a:latin typeface="Consolas" panose="020B0609020204030204" pitchFamily="49" charset="0"/>
                 <a:ea typeface="Inconsolata" pitchFamily="1" charset="0"/>
@@ -18421,7 +18634,9 @@
             <a:r>
               <a:rPr lang="en-US" altLang="en-US" sz="2000" dirty="0">
                 <a:solidFill>
-                  <a:schemeClr val="accent2"/>
+                  <a:schemeClr val="accent2">
+                    <a:lumMod val="75000"/>
+                  </a:schemeClr>
                 </a:solidFill>
                 <a:latin typeface="Consolas" panose="020B0609020204030204" pitchFamily="49" charset="0"/>
                 <a:ea typeface="Inconsolata" pitchFamily="1" charset="0"/>
@@ -18556,7 +18771,9 @@
             <a:r>
               <a:rPr lang="en-US" altLang="en-US" sz="2000" dirty="0">
                 <a:solidFill>
-                  <a:schemeClr val="accent2"/>
+                  <a:schemeClr val="accent2">
+                    <a:lumMod val="75000"/>
+                  </a:schemeClr>
                 </a:solidFill>
                 <a:latin typeface="Consolas" panose="020B0609020204030204" pitchFamily="49" charset="0"/>
                 <a:ea typeface="Inconsolata" pitchFamily="1" charset="0"/>
@@ -18681,7 +18898,7 @@
             <a:r>
               <a:rPr lang="en-US" altLang="en-US" sz="2000" dirty="0">
                 <a:solidFill>
-                  <a:schemeClr val="accent2"/>
+                  <a:schemeClr val="accent6"/>
                 </a:solidFill>
                 <a:latin typeface="Consolas" panose="020B0609020204030204" pitchFamily="49" charset="0"/>
                 <a:ea typeface="Inconsolata" pitchFamily="1" charset="0"/>
@@ -18853,7 +19070,7 @@
             <a:r>
               <a:rPr lang="en-US" altLang="en-US" sz="2000" dirty="0">
                 <a:solidFill>
-                  <a:schemeClr val="accent2"/>
+                  <a:schemeClr val="accent5"/>
                 </a:solidFill>
                 <a:latin typeface="Consolas" panose="020B0609020204030204" pitchFamily="49" charset="0"/>
                 <a:ea typeface="Inconsolata" pitchFamily="1" charset="0"/>
@@ -19055,81 +19272,89 @@
             <a:r>
               <a:rPr lang="en-US" sz="2000" dirty="0">
                 <a:solidFill>
+                  <a:schemeClr val="accent2">
+                    <a:lumMod val="75000"/>
+                  </a:schemeClr>
+                </a:solidFill>
+                <a:latin typeface="Consolas" panose="020B0609020204030204" pitchFamily="49" charset="0"/>
+              </a:rPr>
+              <a:t>"</a:t>
+            </a:r>
+            <a:r>
+              <a:rPr lang="en-US" sz="2000" dirty="0" err="1">
+                <a:solidFill>
+                  <a:schemeClr val="accent2">
+                    <a:lumMod val="75000"/>
+                  </a:schemeClr>
+                </a:solidFill>
+                <a:latin typeface="Consolas" panose="020B0609020204030204" pitchFamily="49" charset="0"/>
+              </a:rPr>
+              <a:t>name"</a:t>
+            </a:r>
+            <a:r>
+              <a:rPr lang="en-US" sz="2000" dirty="0" err="1">
+                <a:solidFill>
+                  <a:schemeClr val="accent1"/>
+                </a:solidFill>
+                <a:latin typeface="Consolas" panose="020B0609020204030204" pitchFamily="49" charset="0"/>
+              </a:rPr>
+              <a:t>:</a:t>
+            </a:r>
+            <a:r>
+              <a:rPr lang="en-US" sz="2000" dirty="0" err="1">
+                <a:solidFill>
                   <a:schemeClr val="accent2"/>
                 </a:solidFill>
                 <a:latin typeface="Consolas" panose="020B0609020204030204" pitchFamily="49" charset="0"/>
               </a:rPr>
+              <a:t>"William</a:t>
+            </a:r>
+            <a:r>
+              <a:rPr lang="en-US" sz="2000" dirty="0">
+                <a:solidFill>
+                  <a:schemeClr val="accent2"/>
+                </a:solidFill>
+                <a:latin typeface="Consolas" panose="020B0609020204030204" pitchFamily="49" charset="0"/>
+              </a:rPr>
+              <a:t> Shakespeare"</a:t>
+            </a:r>
+            <a:r>
+              <a:rPr lang="en-US" sz="2000" dirty="0">
+                <a:solidFill>
+                  <a:schemeClr val="accent1"/>
+                </a:solidFill>
+                <a:latin typeface="Consolas" panose="020B0609020204030204" pitchFamily="49" charset="0"/>
+              </a:rPr>
+              <a:t>,</a:t>
+            </a:r>
+          </a:p>
+          <a:p>
+            <a:r>
+              <a:rPr lang="en-US" sz="2000" dirty="0">
+                <a:solidFill>
+                  <a:schemeClr val="accent1"/>
+                </a:solidFill>
+                <a:latin typeface="Consolas" panose="020B0609020204030204" pitchFamily="49" charset="0"/>
+              </a:rPr>
+              <a:t>  </a:t>
+            </a:r>
+            <a:r>
+              <a:rPr lang="en-US" sz="2000" dirty="0">
+                <a:solidFill>
+                  <a:schemeClr val="accent2">
+                    <a:lumMod val="75000"/>
+                  </a:schemeClr>
+                </a:solidFill>
+                <a:latin typeface="Consolas" panose="020B0609020204030204" pitchFamily="49" charset="0"/>
+              </a:rPr>
               <a:t>"</a:t>
             </a:r>
             <a:r>
               <a:rPr lang="en-US" sz="2000" dirty="0" err="1">
                 <a:solidFill>
-                  <a:schemeClr val="accent2"/>
-                </a:solidFill>
-                <a:latin typeface="Consolas" panose="020B0609020204030204" pitchFamily="49" charset="0"/>
-              </a:rPr>
-              <a:t>name"</a:t>
-            </a:r>
-            <a:r>
-              <a:rPr lang="en-US" sz="2000" dirty="0" err="1">
-                <a:solidFill>
-                  <a:schemeClr val="accent1"/>
-                </a:solidFill>
-                <a:latin typeface="Consolas" panose="020B0609020204030204" pitchFamily="49" charset="0"/>
-              </a:rPr>
-              <a:t>:</a:t>
-            </a:r>
-            <a:r>
-              <a:rPr lang="en-US" sz="2000" dirty="0" err="1">
-                <a:solidFill>
-                  <a:schemeClr val="accent2"/>
-                </a:solidFill>
-                <a:latin typeface="Consolas" panose="020B0609020204030204" pitchFamily="49" charset="0"/>
-              </a:rPr>
-              <a:t>"William</a:t>
-            </a:r>
-            <a:r>
-              <a:rPr lang="en-US" sz="2000" dirty="0">
-                <a:solidFill>
-                  <a:schemeClr val="accent2"/>
-                </a:solidFill>
-                <a:latin typeface="Consolas" panose="020B0609020204030204" pitchFamily="49" charset="0"/>
-              </a:rPr>
-              <a:t> Shakespeare"</a:t>
-            </a:r>
-            <a:r>
-              <a:rPr lang="en-US" sz="2000" dirty="0">
-                <a:solidFill>
-                  <a:schemeClr val="accent1"/>
-                </a:solidFill>
-                <a:latin typeface="Consolas" panose="020B0609020204030204" pitchFamily="49" charset="0"/>
-              </a:rPr>
-              <a:t>,</a:t>
-            </a:r>
-          </a:p>
-          <a:p>
-            <a:r>
-              <a:rPr lang="en-US" sz="2000" dirty="0">
-                <a:solidFill>
-                  <a:schemeClr val="accent1"/>
-                </a:solidFill>
-                <a:latin typeface="Consolas" panose="020B0609020204030204" pitchFamily="49" charset="0"/>
-              </a:rPr>
-              <a:t>  </a:t>
-            </a:r>
-            <a:r>
-              <a:rPr lang="en-US" sz="2000" dirty="0">
-                <a:solidFill>
-                  <a:schemeClr val="accent2"/>
-                </a:solidFill>
-                <a:latin typeface="Consolas" panose="020B0609020204030204" pitchFamily="49" charset="0"/>
-              </a:rPr>
-              <a:t>"</a:t>
-            </a:r>
-            <a:r>
-              <a:rPr lang="en-US" sz="2000" dirty="0" err="1">
-                <a:solidFill>
-                  <a:schemeClr val="accent2"/>
+                  <a:schemeClr val="accent2">
+                    <a:lumMod val="75000"/>
+                  </a:schemeClr>
                 </a:solidFill>
                 <a:latin typeface="Consolas" panose="020B0609020204030204" pitchFamily="49" charset="0"/>
               </a:rPr>
@@ -20432,7 +20657,9 @@
             <a:r>
               <a:rPr lang="en-US" sz="2400" dirty="0">
                 <a:solidFill>
-                  <a:schemeClr val="accent2"/>
+                  <a:schemeClr val="accent2">
+                    <a:lumMod val="75000"/>
+                  </a:schemeClr>
                 </a:solidFill>
                 <a:latin typeface="Consolas" panose="020B0609020204030204" pitchFamily="49" charset="0"/>
               </a:rPr>
@@ -22250,7 +22477,7 @@
             <a:r>
               <a:rPr lang="en-US" altLang="en-US" sz="2400" dirty="0">
                 <a:solidFill>
-                  <a:schemeClr val="accent2"/>
+                  <a:schemeClr val="accent5"/>
                 </a:solidFill>
                 <a:latin typeface="Consolas" panose="020B0609020204030204" pitchFamily="49" charset="0"/>
                 <a:ea typeface="Inconsolata" pitchFamily="1" charset="0"/>
@@ -23530,22 +23757,16 @@
             </a:lvl1pPr>
           </a:lstStyle>
           <a:p>
-            <a:r>
-              <a:rPr lang="tr-TR" sz="3200" dirty="0">
-                <a:solidFill>
-                  <a:srgbClr val="4070A0"/>
-                </a:solidFill>
-                <a:latin typeface="Consolas" panose="020B0609020204030204" pitchFamily="49" charset="0"/>
-                <a:ea typeface="Inconsolata" pitchFamily="1" charset="0"/>
-              </a:rPr>
-              <a:t>false</a:t>
-            </a:r>
-            <a:endParaRPr lang="en-US" sz="3200" dirty="0">
-              <a:solidFill>
-                <a:schemeClr val="accent6"/>
-              </a:solidFill>
-              <a:latin typeface="Consolas" panose="020B0609020204030204" pitchFamily="49" charset="0"/>
-            </a:endParaRPr>
+            <a:pPr algn="ctr"/>
+            <a:r>
+              <a:rPr lang="en-US" sz="3200" dirty="0">
+                <a:solidFill>
+                  <a:schemeClr val="accent6"/>
+                </a:solidFill>
+                <a:latin typeface="Consolas" panose="020B0609020204030204" pitchFamily="49" charset="0"/>
+              </a:rPr>
+              <a:t>0</a:t>
+            </a:r>
           </a:p>
         </p:txBody>
       </p:sp>
@@ -24200,45 +24421,6 @@
         <p:spPr>
           <a:xfrm>
             <a:off x="10661483" y="524439"/>
-            <a:ext cx="914400" cy="914400"/>
-          </a:xfrm>
-          <a:prstGeom prst="rect">
-            <a:avLst/>
-          </a:prstGeom>
-        </p:spPr>
-      </p:pic>
-      <p:pic>
-        <p:nvPicPr>
-          <p:cNvPr id="20" name="Graphic 19" descr="Checkmark with solid fill">
-            <a:extLst>
-              <a:ext uri="{FF2B5EF4-FFF2-40B4-BE49-F238E27FC236}">
-                <a16:creationId xmlns:a16="http://schemas.microsoft.com/office/drawing/2014/main" id="{78367967-01E1-5656-38AB-6C4E3FAA2F83}"/>
-              </a:ext>
-            </a:extLst>
-          </p:cNvPr>
-          <p:cNvPicPr>
-            <a:picLocks noChangeAspect="1"/>
-          </p:cNvPicPr>
-          <p:nvPr/>
-        </p:nvPicPr>
-        <p:blipFill>
-          <a:blip r:embed="rId3">
-            <a:extLst>
-              <a:ext uri="{28A0092B-C50C-407E-A947-70E740481C1C}">
-                <a14:useLocalDpi xmlns:a14="http://schemas.microsoft.com/office/drawing/2010/main" val="0"/>
-              </a:ext>
-              <a:ext uri="{96DAC541-7B7A-43D3-8B79-37D633B846F1}">
-                <asvg:svgBlip xmlns:asvg="http://schemas.microsoft.com/office/drawing/2016/SVG/main" r:embed="rId4"/>
-              </a:ext>
-            </a:extLst>
-          </a:blip>
-          <a:stretch>
-            <a:fillRect/>
-          </a:stretch>
-        </p:blipFill>
-        <p:spPr>
-          <a:xfrm>
-            <a:off x="10661483" y="2354520"/>
             <a:ext cx="914400" cy="914400"/>
           </a:xfrm>
           <a:prstGeom prst="rect">
@@ -24409,6 +24591,44 @@
           </a:p>
         </p:txBody>
       </p:sp>
+      <p:pic>
+        <p:nvPicPr>
+          <p:cNvPr id="3" name="Graphic 2" descr="Close with solid fill">
+            <a:extLst>
+              <a:ext uri="{FF2B5EF4-FFF2-40B4-BE49-F238E27FC236}">
+                <a16:creationId xmlns:a16="http://schemas.microsoft.com/office/drawing/2014/main" id="{1D3CA30D-DCAD-9F02-4874-2A7E095082B2}"/>
+              </a:ext>
+            </a:extLst>
+          </p:cNvPr>
+          <p:cNvPicPr>
+            <a:picLocks noChangeAspect="1"/>
+          </p:cNvPicPr>
+          <p:nvPr/>
+        </p:nvPicPr>
+        <p:blipFill>
+          <a:blip r:embed="rId5">
+            <a:extLst>
+              <a:ext uri="{28A0092B-C50C-407E-A947-70E740481C1C}">
+                <a14:useLocalDpi xmlns:a14="http://schemas.microsoft.com/office/drawing/2010/main" val="0"/>
+              </a:ext>
+              <a:ext uri="{96DAC541-7B7A-43D3-8B79-37D633B846F1}">
+                <asvg:svgBlip xmlns:asvg="http://schemas.microsoft.com/office/drawing/2016/SVG/main" r:embed="rId6"/>
+              </a:ext>
+            </a:extLst>
+          </a:blip>
+          <a:srcRect/>
+          <a:stretch/>
+        </p:blipFill>
+        <p:spPr>
+          <a:xfrm>
+            <a:off x="10668920" y="2374392"/>
+            <a:ext cx="914400" cy="914400"/>
+          </a:xfrm>
+          <a:prstGeom prst="rect">
+            <a:avLst/>
+          </a:prstGeom>
+        </p:spPr>
+      </p:pic>
     </p:spTree>
     <p:extLst>
       <p:ext uri="{BB962C8B-B14F-4D97-AF65-F5344CB8AC3E}">
@@ -24879,7 +25099,7 @@
                                         </p:attrNameLst>
                                       </p:cBhvr>
                                       <p:to>
-                                        <a:srgbClr val="E2EFD9"/>
+                                        <a:srgbClr val="FCD6D6"/>
                                       </p:to>
                                     </p:animClr>
                                     <p:set>
@@ -24936,7 +25156,7 @@
                                           </p:stCondLst>
                                         </p:cTn>
                                         <p:tgtEl>
-                                          <p:spTgt spid="20"/>
+                                          <p:spTgt spid="3"/>
                                         </p:tgtEl>
                                         <p:attrNameLst>
                                           <p:attrName>style.visibility</p:attrName>
@@ -27627,7 +27847,7 @@
                   <a:noFill/>
                 </a:ln>
                 <a:solidFill>
-                  <a:schemeClr val="accent2"/>
+                  <a:schemeClr val="accent5"/>
                 </a:solidFill>
                 <a:effectLst/>
                 <a:latin typeface="Consolas" panose="020B0609020204030204" pitchFamily="49" charset="0"/>
@@ -27641,7 +27861,7 @@
                   <a:noFill/>
                 </a:ln>
                 <a:solidFill>
-                  <a:schemeClr val="accent2"/>
+                  <a:schemeClr val="accent5"/>
                 </a:solidFill>
                 <a:effectLst/>
                 <a:latin typeface="Consolas" panose="020B0609020204030204" pitchFamily="49" charset="0"/>
@@ -27655,7 +27875,7 @@
                   <a:noFill/>
                 </a:ln>
                 <a:solidFill>
-                  <a:schemeClr val="accent2"/>
+                  <a:schemeClr val="accent5"/>
                 </a:solidFill>
                 <a:effectLst/>
                 <a:latin typeface="Consolas" panose="020B0609020204030204" pitchFamily="49" charset="0"/>
@@ -28132,7 +28352,7 @@
                   <a:noFill/>
                 </a:ln>
                 <a:solidFill>
-                  <a:schemeClr val="accent2"/>
+                  <a:schemeClr val="accent5"/>
                 </a:solidFill>
                 <a:effectLst/>
                 <a:latin typeface="Consolas" panose="020B0609020204030204" pitchFamily="49" charset="0"/>
@@ -28146,7 +28366,7 @@
                   <a:noFill/>
                 </a:ln>
                 <a:solidFill>
-                  <a:schemeClr val="accent2"/>
+                  <a:schemeClr val="accent5"/>
                 </a:solidFill>
                 <a:effectLst/>
                 <a:latin typeface="Consolas" panose="020B0609020204030204" pitchFamily="49" charset="0"/>
@@ -28160,7 +28380,7 @@
                   <a:noFill/>
                 </a:ln>
                 <a:solidFill>
-                  <a:schemeClr val="accent2"/>
+                  <a:schemeClr val="accent5"/>
                 </a:solidFill>
                 <a:effectLst/>
                 <a:latin typeface="Consolas" panose="020B0609020204030204" pitchFamily="49" charset="0"/>
@@ -28248,7 +28468,7 @@
                   <a:noFill/>
                 </a:ln>
                 <a:solidFill>
-                  <a:schemeClr val="accent2"/>
+                  <a:schemeClr val="accent5"/>
                 </a:solidFill>
                 <a:effectLst/>
                 <a:latin typeface="Consolas" panose="020B0609020204030204" pitchFamily="49" charset="0"/>
@@ -28262,7 +28482,7 @@
                   <a:noFill/>
                 </a:ln>
                 <a:solidFill>
-                  <a:schemeClr val="accent2"/>
+                  <a:schemeClr val="accent5"/>
                 </a:solidFill>
                 <a:effectLst/>
                 <a:latin typeface="Consolas" panose="020B0609020204030204" pitchFamily="49" charset="0"/>
@@ -28276,7 +28496,7 @@
                   <a:noFill/>
                 </a:ln>
                 <a:solidFill>
-                  <a:schemeClr val="accent2"/>
+                  <a:schemeClr val="accent5"/>
                 </a:solidFill>
                 <a:effectLst/>
                 <a:latin typeface="Consolas" panose="020B0609020204030204" pitchFamily="49" charset="0"/>
@@ -32274,7 +32494,9 @@
             <a:r>
               <a:rPr lang="en-US" altLang="en-US" sz="2800" dirty="0">
                 <a:solidFill>
-                  <a:schemeClr val="accent2"/>
+                  <a:schemeClr val="accent2">
+                    <a:lumMod val="75000"/>
+                  </a:schemeClr>
                 </a:solidFill>
                 <a:latin typeface="Consolas" panose="020B0609020204030204" pitchFamily="49" charset="0"/>
                 <a:ea typeface="Inconsolata" pitchFamily="1" charset="0"/>
@@ -32284,7 +32506,9 @@
             <a:r>
               <a:rPr lang="tr-TR" altLang="en-US" sz="2800" dirty="0">
                 <a:solidFill>
-                  <a:schemeClr val="accent2"/>
+                  <a:schemeClr val="accent2">
+                    <a:lumMod val="75000"/>
+                  </a:schemeClr>
                 </a:solidFill>
                 <a:latin typeface="Consolas" panose="020B0609020204030204" pitchFamily="49" charset="0"/>
                 <a:ea typeface="Inconsolata" pitchFamily="1" charset="0"/>
@@ -32297,7 +32521,9 @@
                   <a:noFill/>
                 </a:ln>
                 <a:solidFill>
-                  <a:schemeClr val="accent2"/>
+                  <a:schemeClr val="accent2">
+                    <a:lumMod val="75000"/>
+                  </a:schemeClr>
                 </a:solidFill>
                 <a:effectLst/>
                 <a:latin typeface="Consolas" panose="020B0609020204030204" pitchFamily="49" charset="0"/>
@@ -33997,7 +34223,9 @@
             <a:r>
               <a:rPr lang="en-US" altLang="en-US" sz="2800" dirty="0">
                 <a:solidFill>
-                  <a:schemeClr val="accent2"/>
+                  <a:schemeClr val="accent2">
+                    <a:lumMod val="75000"/>
+                  </a:schemeClr>
                 </a:solidFill>
                 <a:latin typeface="Consolas" panose="020B0609020204030204" pitchFamily="49" charset="0"/>
                 <a:ea typeface="Inconsolata" pitchFamily="1" charset="0"/>
@@ -34007,7 +34235,9 @@
             <a:r>
               <a:rPr lang="tr-TR" altLang="en-US" sz="2800" dirty="0">
                 <a:solidFill>
-                  <a:schemeClr val="accent2"/>
+                  <a:schemeClr val="accent2">
+                    <a:lumMod val="75000"/>
+                  </a:schemeClr>
                 </a:solidFill>
                 <a:latin typeface="Consolas" panose="020B0609020204030204" pitchFamily="49" charset="0"/>
                 <a:ea typeface="Inconsolata" pitchFamily="1" charset="0"/>
@@ -34020,7 +34250,9 @@
                   <a:noFill/>
                 </a:ln>
                 <a:solidFill>
-                  <a:schemeClr val="accent2"/>
+                  <a:schemeClr val="accent2">
+                    <a:lumMod val="75000"/>
+                  </a:schemeClr>
                 </a:solidFill>
                 <a:effectLst/>
                 <a:latin typeface="Consolas" panose="020B0609020204030204" pitchFamily="49" charset="0"/>
@@ -35751,7 +35983,9 @@
             <a:r>
               <a:rPr lang="en-US" altLang="en-US" sz="2800" dirty="0">
                 <a:solidFill>
-                  <a:schemeClr val="accent2"/>
+                  <a:schemeClr val="accent2">
+                    <a:lumMod val="75000"/>
+                  </a:schemeClr>
                 </a:solidFill>
                 <a:latin typeface="Consolas" panose="020B0609020204030204" pitchFamily="49" charset="0"/>
                 <a:ea typeface="Inconsolata" pitchFamily="1" charset="0"/>
@@ -35761,7 +35995,9 @@
             <a:r>
               <a:rPr lang="tr-TR" altLang="en-US" sz="2800" dirty="0">
                 <a:solidFill>
-                  <a:schemeClr val="accent2"/>
+                  <a:schemeClr val="accent2">
+                    <a:lumMod val="75000"/>
+                  </a:schemeClr>
                 </a:solidFill>
                 <a:latin typeface="Consolas" panose="020B0609020204030204" pitchFamily="49" charset="0"/>
                 <a:ea typeface="Inconsolata" pitchFamily="1" charset="0"/>
@@ -35774,7 +36010,9 @@
                   <a:noFill/>
                 </a:ln>
                 <a:solidFill>
-                  <a:schemeClr val="accent2"/>
+                  <a:schemeClr val="accent2">
+                    <a:lumMod val="75000"/>
+                  </a:schemeClr>
                 </a:solidFill>
                 <a:effectLst/>
                 <a:latin typeface="Consolas" panose="020B0609020204030204" pitchFamily="49" charset="0"/>
@@ -36695,13 +36933,13 @@
         </p:nvSpPr>
         <p:spPr>
           <a:xfrm>
-            <a:off x="1334501" y="2962256"/>
-            <a:ext cx="9522999" cy="933489"/>
+            <a:off x="1643893" y="3127918"/>
+            <a:ext cx="8904214" cy="602165"/>
           </a:xfrm>
         </p:spPr>
         <p:txBody>
           <a:bodyPr>
-            <a:normAutofit/>
+            <a:noAutofit/>
           </a:bodyPr>
           <a:lstStyle/>
           <a:p>
@@ -36709,15 +36947,60 @@
               <a:buNone/>
             </a:pPr>
             <a:r>
-              <a:rPr lang="tr-TR" sz="6000" dirty="0">
+              <a:rPr lang="tr-TR" sz="4000" dirty="0">
                 <a:solidFill>
                   <a:schemeClr val="accent1"/>
                 </a:solidFill>
                 <a:latin typeface="Century Gothic" panose="020B0502020202020204" pitchFamily="34" charset="0"/>
               </a:rPr>
-              <a:t>JSON Schema Reference</a:t>
-            </a:r>
-            <a:endParaRPr lang="en-US" sz="6000" dirty="0">
+              <a:t>JSON </a:t>
+            </a:r>
+            <a:r>
+              <a:rPr lang="tr-TR" sz="4000" dirty="0" err="1">
+                <a:solidFill>
+                  <a:schemeClr val="accent1"/>
+                </a:solidFill>
+                <a:latin typeface="Century Gothic" panose="020B0502020202020204" pitchFamily="34" charset="0"/>
+              </a:rPr>
+              <a:t>Schema</a:t>
+            </a:r>
+            <a:r>
+              <a:rPr lang="tr-TR" sz="4000" dirty="0">
+                <a:solidFill>
+                  <a:schemeClr val="accent1"/>
+                </a:solidFill>
+                <a:latin typeface="Century Gothic" panose="020B0502020202020204" pitchFamily="34" charset="0"/>
+              </a:rPr>
+              <a:t> </a:t>
+            </a:r>
+            <a:r>
+              <a:rPr lang="tr-TR" sz="4000" dirty="0" err="1">
+                <a:solidFill>
+                  <a:schemeClr val="accent1"/>
+                </a:solidFill>
+                <a:latin typeface="Century Gothic" panose="020B0502020202020204" pitchFamily="34" charset="0"/>
+              </a:rPr>
+              <a:t>Validation</a:t>
+            </a:r>
+            <a:r>
+              <a:rPr lang="tr-TR" sz="4000" dirty="0">
+                <a:solidFill>
+                  <a:schemeClr val="accent1"/>
+                </a:solidFill>
+                <a:latin typeface="Century Gothic" panose="020B0502020202020204" pitchFamily="34" charset="0"/>
+              </a:rPr>
+              <a:t> </a:t>
+            </a:r>
+            <a:r>
+              <a:rPr lang="tr-TR" sz="4000" dirty="0" err="1">
+                <a:solidFill>
+                  <a:schemeClr val="accent1"/>
+                </a:solidFill>
+                <a:latin typeface="Century Gothic" panose="020B0502020202020204" pitchFamily="34" charset="0"/>
+              </a:rPr>
+              <a:t>Keywords</a:t>
+            </a:r>
+            <a:endParaRPr lang="en-US" sz="4000" dirty="0">
               <a:solidFill>
                 <a:schemeClr val="accent1"/>
               </a:solidFill>
@@ -37040,13 +37323,27 @@
               <a:t>" </a:t>
             </a:r>
             <a:r>
+              <a:rPr kumimoji="0" lang="tr-TR" altLang="en-US" sz="3600" b="0" i="0" u="none" strike="noStrike" cap="none" normalizeH="0" baseline="0" dirty="0" err="1">
+                <a:ln>
+                  <a:noFill/>
+                </a:ln>
+                <a:solidFill>
+                  <a:schemeClr val="accent1"/>
+                </a:solidFill>
+                <a:effectLst/>
+                <a:latin typeface="Century Gothic" panose="020B0502020202020204" pitchFamily="34" charset="0"/>
+                <a:ea typeface="Inconsolata" pitchFamily="1" charset="0"/>
+              </a:rPr>
+              <a:t>t</a:t>
+            </a:r>
+            <a:r>
               <a:rPr lang="tr-TR" sz="3600" dirty="0" err="1">
                 <a:solidFill>
                   <a:schemeClr val="accent1"/>
                 </a:solidFill>
                 <a:latin typeface="Century Gothic" panose="020B0502020202020204" pitchFamily="34" charset="0"/>
               </a:rPr>
-              <a:t>Type</a:t>
+              <a:t>ype</a:t>
             </a:r>
             <a:r>
               <a:rPr kumimoji="0" lang="en-US" altLang="en-US" sz="3600" b="0" i="0" u="none" strike="noStrike" cap="none" normalizeH="0" baseline="0" dirty="0">
@@ -37930,7 +38227,9 @@
             <a:r>
               <a:rPr lang="en-US" altLang="en-US" sz="2800" dirty="0">
                 <a:solidFill>
-                  <a:schemeClr val="accent2"/>
+                  <a:schemeClr val="accent2">
+                    <a:lumMod val="75000"/>
+                  </a:schemeClr>
                 </a:solidFill>
                 <a:latin typeface="Consolas" panose="020B0609020204030204" pitchFamily="49" charset="0"/>
                 <a:ea typeface="Inconsolata" pitchFamily="1" charset="0"/>
@@ -37940,7 +38239,9 @@
             <a:r>
               <a:rPr lang="tr-TR" altLang="en-US" sz="2800" dirty="0">
                 <a:solidFill>
-                  <a:schemeClr val="accent2"/>
+                  <a:schemeClr val="accent2">
+                    <a:lumMod val="75000"/>
+                  </a:schemeClr>
                 </a:solidFill>
                 <a:latin typeface="Consolas" panose="020B0609020204030204" pitchFamily="49" charset="0"/>
                 <a:ea typeface="Inconsolata" pitchFamily="1" charset="0"/>
@@ -37953,7 +38254,9 @@
                   <a:noFill/>
                 </a:ln>
                 <a:solidFill>
-                  <a:schemeClr val="accent2"/>
+                  <a:schemeClr val="accent2">
+                    <a:lumMod val="75000"/>
+                  </a:schemeClr>
                 </a:solidFill>
                 <a:effectLst/>
                 <a:latin typeface="Consolas" panose="020B0609020204030204" pitchFamily="49" charset="0"/>
